--- a/File bao cao/New folder/iuh-travel.pptx
+++ b/File bao cao/New folder/iuh-travel.pptx
@@ -3328,26 +3328,26 @@
     </dgm:pt>
   </dgm:ptLst>
   <dgm:cxnLst>
+    <dgm:cxn modelId="{B2167C48-271F-4CB3-BFA3-AB61B92BBCE5}" srcId="{9515B929-E6C1-42B1-A09B-9D8223483E4F}" destId="{392F25A8-BAD6-41C6-8E1E-C390C72680FF}" srcOrd="0" destOrd="0" parTransId="{1ED046EE-047D-4BF3-BE92-78B1602F0003}" sibTransId="{F030714F-31BF-4D57-9E65-71E39190809E}"/>
     <dgm:cxn modelId="{888C9CFD-169A-4869-AB2F-42663607BC4A}" type="presOf" srcId="{6717067D-3BA9-483D-827C-4B8CEC3B32B0}" destId="{9A0F2605-C1BB-424D-ACD3-5F45ED42E96C}" srcOrd="0" destOrd="0" presId="urn:microsoft.com/office/officeart/2005/8/layout/chevron2"/>
+    <dgm:cxn modelId="{07924BD9-4493-4BA8-B657-CF630D9ABDA9}" srcId="{29DA38E7-54DB-4571-BAAF-E828CB6BC040}" destId="{1791A8A9-4495-434F-80F1-89238281CFE2}" srcOrd="0" destOrd="0" parTransId="{5E224C27-1C33-4DE8-93D3-1BE263F8858D}" sibTransId="{53B6C342-C5A0-4009-B26F-FE61498CA007}"/>
     <dgm:cxn modelId="{9CEFE775-8B0E-4BCA-84D4-403974078623}" type="presOf" srcId="{7AFC639B-93B1-4BE0-A55A-2B3EF7842345}" destId="{DB20AD92-A061-4FDF-B67D-92594D3A8A73}" srcOrd="0" destOrd="0" presId="urn:microsoft.com/office/officeart/2005/8/layout/chevron2"/>
     <dgm:cxn modelId="{A9A47EC7-74ED-498A-8561-A995EF152773}" type="presOf" srcId="{1791A8A9-4495-434F-80F1-89238281CFE2}" destId="{553D3F07-78A7-4F2A-843C-FAC30C3C3DB6}" srcOrd="0" destOrd="0" presId="urn:microsoft.com/office/officeart/2005/8/layout/chevron2"/>
+    <dgm:cxn modelId="{5E0F31BB-9C12-4CAD-88CE-A821F27EC86B}" srcId="{EE2E9B9B-D4F0-4FD3-957A-A11DAFA3FBA1}" destId="{9515B929-E6C1-42B1-A09B-9D8223483E4F}" srcOrd="4" destOrd="0" parTransId="{3BF0BF52-1784-4BAB-BF28-E38E9D6C3FAC}" sibTransId="{BE28D733-12E8-4684-BDA6-7C3B1E2DC2B6}"/>
+    <dgm:cxn modelId="{FA564647-DF2F-4FB4-857F-CA15ED56036E}" srcId="{811AB49F-9449-44EE-B9A7-01334A717D7A}" destId="{6717067D-3BA9-483D-827C-4B8CEC3B32B0}" srcOrd="0" destOrd="0" parTransId="{C2F2858D-7022-4DDB-9DF5-38FFBB4E3EF4}" sibTransId="{7A575758-BCAE-438E-ABFA-47FC4D7F37A0}"/>
+    <dgm:cxn modelId="{C14A2522-933B-477F-A91D-346CA83A540A}" type="presOf" srcId="{29DA38E7-54DB-4571-BAAF-E828CB6BC040}" destId="{CBA6DD9D-4774-4756-A83D-775A7AD3A1BA}" srcOrd="0" destOrd="0" presId="urn:microsoft.com/office/officeart/2005/8/layout/chevron2"/>
+    <dgm:cxn modelId="{30199BE1-1F84-4FD9-8074-4C22ACA740C2}" srcId="{7AFC639B-93B1-4BE0-A55A-2B3EF7842345}" destId="{DBC5D85F-0EE3-4072-9C16-E1BA0ACF6392}" srcOrd="0" destOrd="0" parTransId="{04ADD92D-C343-4BEB-B5BF-CBFAEAB7F00C}" sibTransId="{F8CAA121-1AB1-439E-9D7B-136271EB1B4D}"/>
+    <dgm:cxn modelId="{BD3A1FCE-F39B-4817-9A76-6EC4170A365F}" type="presOf" srcId="{EE2E9B9B-D4F0-4FD3-957A-A11DAFA3FBA1}" destId="{3504F08F-15F8-464A-AEAB-97FE161D7EAF}" srcOrd="0" destOrd="0" presId="urn:microsoft.com/office/officeart/2005/8/layout/chevron2"/>
+    <dgm:cxn modelId="{0BF6848A-D866-4E65-BD76-B5D29118C84A}" type="presOf" srcId="{DBC5D85F-0EE3-4072-9C16-E1BA0ACF6392}" destId="{40ECC75D-886C-4F73-8162-955A37502B28}" srcOrd="0" destOrd="0" presId="urn:microsoft.com/office/officeart/2005/8/layout/chevron2"/>
+    <dgm:cxn modelId="{C9408884-E022-4FD3-A2B7-193FF62AE21D}" srcId="{EE2E9B9B-D4F0-4FD3-957A-A11DAFA3FBA1}" destId="{29DA38E7-54DB-4571-BAAF-E828CB6BC040}" srcOrd="0" destOrd="0" parTransId="{39AE9626-2FD6-4099-B614-99BD03FAB687}" sibTransId="{4BAC11E7-4CAB-422D-8B83-C2372F96E888}"/>
+    <dgm:cxn modelId="{2CD5A851-1AEA-46B7-8D10-4C0DDC0B50F8}" type="presOf" srcId="{392F25A8-BAD6-41C6-8E1E-C390C72680FF}" destId="{29A9B8D3-0A50-49A6-A606-E4AF1B80D886}" srcOrd="0" destOrd="0" presId="urn:microsoft.com/office/officeart/2005/8/layout/chevron2"/>
     <dgm:cxn modelId="{833D2051-6CD0-4A46-8048-4A2349AAFBB0}" type="presOf" srcId="{32403AA0-F7B5-42A2-B39D-E4367941F94E}" destId="{A2BA5AAD-5D33-4A0E-BBB2-5FB708AA37CD}" srcOrd="0" destOrd="0" presId="urn:microsoft.com/office/officeart/2005/8/layout/chevron2"/>
-    <dgm:cxn modelId="{C9408884-E022-4FD3-A2B7-193FF62AE21D}" srcId="{EE2E9B9B-D4F0-4FD3-957A-A11DAFA3FBA1}" destId="{29DA38E7-54DB-4571-BAAF-E828CB6BC040}" srcOrd="0" destOrd="0" parTransId="{39AE9626-2FD6-4099-B614-99BD03FAB687}" sibTransId="{4BAC11E7-4CAB-422D-8B83-C2372F96E888}"/>
+    <dgm:cxn modelId="{39F1E36F-7776-4631-AAB8-60051C06DB8C}" srcId="{EE2E9B9B-D4F0-4FD3-957A-A11DAFA3FBA1}" destId="{7AFC639B-93B1-4BE0-A55A-2B3EF7842345}" srcOrd="3" destOrd="0" parTransId="{BA87056A-85F6-490D-955B-361844E54151}" sibTransId="{B9F3C8AC-EC50-4794-8B8B-905EEA28C0CF}"/>
+    <dgm:cxn modelId="{7C3B297E-F59F-4C3D-949B-D7A4E4396CB1}" type="presOf" srcId="{9515B929-E6C1-42B1-A09B-9D8223483E4F}" destId="{0E9DFC81-0C01-4D33-8687-C9AE21243F95}" srcOrd="0" destOrd="0" presId="urn:microsoft.com/office/officeart/2005/8/layout/chevron2"/>
+    <dgm:cxn modelId="{48DB1B3C-3E23-4A46-B83A-696C8E65D649}" srcId="{EE2E9B9B-D4F0-4FD3-957A-A11DAFA3FBA1}" destId="{811AB49F-9449-44EE-B9A7-01334A717D7A}" srcOrd="1" destOrd="0" parTransId="{2C7292AC-4DA0-4331-866E-32783A340D24}" sibTransId="{56BA1BA5-3BD6-4048-8C44-C0D51254F3C6}"/>
+    <dgm:cxn modelId="{9910077B-1BC6-4FC9-B562-B1443D2730AF}" type="presOf" srcId="{811AB49F-9449-44EE-B9A7-01334A717D7A}" destId="{4E43316D-F233-4961-9907-D9F4A1871D7B}" srcOrd="0" destOrd="0" presId="urn:microsoft.com/office/officeart/2005/8/layout/chevron2"/>
     <dgm:cxn modelId="{8E5C5272-417C-4E96-AE97-90E467D91A44}" srcId="{EE2E9B9B-D4F0-4FD3-957A-A11DAFA3FBA1}" destId="{EE9180E4-9A1E-4A9D-92CA-13AE35E934C9}" srcOrd="2" destOrd="0" parTransId="{B97E1497-7F1F-4C5B-90B6-48F8498039C6}" sibTransId="{0B793E6F-1827-4EE5-8893-DFD036623397}"/>
     <dgm:cxn modelId="{D0B0E97F-728D-4AC0-B589-B8A1C1EC377D}" srcId="{EE9180E4-9A1E-4A9D-92CA-13AE35E934C9}" destId="{32403AA0-F7B5-42A2-B39D-E4367941F94E}" srcOrd="0" destOrd="0" parTransId="{260C25FD-1F6F-4398-8CC2-67852602EFD1}" sibTransId="{04F8CFEF-B001-44E6-8E68-434C53F8A450}"/>
-    <dgm:cxn modelId="{FA564647-DF2F-4FB4-857F-CA15ED56036E}" srcId="{811AB49F-9449-44EE-B9A7-01334A717D7A}" destId="{6717067D-3BA9-483D-827C-4B8CEC3B32B0}" srcOrd="0" destOrd="0" parTransId="{C2F2858D-7022-4DDB-9DF5-38FFBB4E3EF4}" sibTransId="{7A575758-BCAE-438E-ABFA-47FC4D7F37A0}"/>
-    <dgm:cxn modelId="{48DB1B3C-3E23-4A46-B83A-696C8E65D649}" srcId="{EE2E9B9B-D4F0-4FD3-957A-A11DAFA3FBA1}" destId="{811AB49F-9449-44EE-B9A7-01334A717D7A}" srcOrd="1" destOrd="0" parTransId="{2C7292AC-4DA0-4331-866E-32783A340D24}" sibTransId="{56BA1BA5-3BD6-4048-8C44-C0D51254F3C6}"/>
-    <dgm:cxn modelId="{0BF6848A-D866-4E65-BD76-B5D29118C84A}" type="presOf" srcId="{DBC5D85F-0EE3-4072-9C16-E1BA0ACF6392}" destId="{40ECC75D-886C-4F73-8162-955A37502B28}" srcOrd="0" destOrd="0" presId="urn:microsoft.com/office/officeart/2005/8/layout/chevron2"/>
-    <dgm:cxn modelId="{30199BE1-1F84-4FD9-8074-4C22ACA740C2}" srcId="{7AFC639B-93B1-4BE0-A55A-2B3EF7842345}" destId="{DBC5D85F-0EE3-4072-9C16-E1BA0ACF6392}" srcOrd="0" destOrd="0" parTransId="{04ADD92D-C343-4BEB-B5BF-CBFAEAB7F00C}" sibTransId="{F8CAA121-1AB1-439E-9D7B-136271EB1B4D}"/>
-    <dgm:cxn modelId="{07924BD9-4493-4BA8-B657-CF630D9ABDA9}" srcId="{29DA38E7-54DB-4571-BAAF-E828CB6BC040}" destId="{1791A8A9-4495-434F-80F1-89238281CFE2}" srcOrd="0" destOrd="0" parTransId="{5E224C27-1C33-4DE8-93D3-1BE263F8858D}" sibTransId="{53B6C342-C5A0-4009-B26F-FE61498CA007}"/>
-    <dgm:cxn modelId="{7C3B297E-F59F-4C3D-949B-D7A4E4396CB1}" type="presOf" srcId="{9515B929-E6C1-42B1-A09B-9D8223483E4F}" destId="{0E9DFC81-0C01-4D33-8687-C9AE21243F95}" srcOrd="0" destOrd="0" presId="urn:microsoft.com/office/officeart/2005/8/layout/chevron2"/>
-    <dgm:cxn modelId="{B2167C48-271F-4CB3-BFA3-AB61B92BBCE5}" srcId="{9515B929-E6C1-42B1-A09B-9D8223483E4F}" destId="{392F25A8-BAD6-41C6-8E1E-C390C72680FF}" srcOrd="0" destOrd="0" parTransId="{1ED046EE-047D-4BF3-BE92-78B1602F0003}" sibTransId="{F030714F-31BF-4D57-9E65-71E39190809E}"/>
-    <dgm:cxn modelId="{BD3A1FCE-F39B-4817-9A76-6EC4170A365F}" type="presOf" srcId="{EE2E9B9B-D4F0-4FD3-957A-A11DAFA3FBA1}" destId="{3504F08F-15F8-464A-AEAB-97FE161D7EAF}" srcOrd="0" destOrd="0" presId="urn:microsoft.com/office/officeart/2005/8/layout/chevron2"/>
-    <dgm:cxn modelId="{9910077B-1BC6-4FC9-B562-B1443D2730AF}" type="presOf" srcId="{811AB49F-9449-44EE-B9A7-01334A717D7A}" destId="{4E43316D-F233-4961-9907-D9F4A1871D7B}" srcOrd="0" destOrd="0" presId="urn:microsoft.com/office/officeart/2005/8/layout/chevron2"/>
-    <dgm:cxn modelId="{C14A2522-933B-477F-A91D-346CA83A540A}" type="presOf" srcId="{29DA38E7-54DB-4571-BAAF-E828CB6BC040}" destId="{CBA6DD9D-4774-4756-A83D-775A7AD3A1BA}" srcOrd="0" destOrd="0" presId="urn:microsoft.com/office/officeart/2005/8/layout/chevron2"/>
-    <dgm:cxn modelId="{5E0F31BB-9C12-4CAD-88CE-A821F27EC86B}" srcId="{EE2E9B9B-D4F0-4FD3-957A-A11DAFA3FBA1}" destId="{9515B929-E6C1-42B1-A09B-9D8223483E4F}" srcOrd="4" destOrd="0" parTransId="{3BF0BF52-1784-4BAB-BF28-E38E9D6C3FAC}" sibTransId="{BE28D733-12E8-4684-BDA6-7C3B1E2DC2B6}"/>
-    <dgm:cxn modelId="{39F1E36F-7776-4631-AAB8-60051C06DB8C}" srcId="{EE2E9B9B-D4F0-4FD3-957A-A11DAFA3FBA1}" destId="{7AFC639B-93B1-4BE0-A55A-2B3EF7842345}" srcOrd="3" destOrd="0" parTransId="{BA87056A-85F6-490D-955B-361844E54151}" sibTransId="{B9F3C8AC-EC50-4794-8B8B-905EEA28C0CF}"/>
-    <dgm:cxn modelId="{2CD5A851-1AEA-46B7-8D10-4C0DDC0B50F8}" type="presOf" srcId="{392F25A8-BAD6-41C6-8E1E-C390C72680FF}" destId="{29A9B8D3-0A50-49A6-A606-E4AF1B80D886}" srcOrd="0" destOrd="0" presId="urn:microsoft.com/office/officeart/2005/8/layout/chevron2"/>
     <dgm:cxn modelId="{6EF2BAE5-C1A3-4A53-87D4-5E240AE31280}" type="presOf" srcId="{EE9180E4-9A1E-4A9D-92CA-13AE35E934C9}" destId="{39CCAA8F-1324-4B71-B0FB-1856C837D267}" srcOrd="0" destOrd="0" presId="urn:microsoft.com/office/officeart/2005/8/layout/chevron2"/>
     <dgm:cxn modelId="{84AA7E26-C52D-4862-8027-6A757220826F}" type="presParOf" srcId="{3504F08F-15F8-464A-AEAB-97FE161D7EAF}" destId="{34F4844D-5877-48FA-9450-174616B586D2}" srcOrd="0" destOrd="0" presId="urn:microsoft.com/office/officeart/2005/8/layout/chevron2"/>
     <dgm:cxn modelId="{C98D1A01-A3AC-408D-8C4C-063C107C319D}" type="presParOf" srcId="{34F4844D-5877-48FA-9450-174616B586D2}" destId="{CBA6DD9D-4774-4756-A83D-775A7AD3A1BA}" srcOrd="0" destOrd="0" presId="urn:microsoft.com/office/officeart/2005/8/layout/chevron2"/>
@@ -3373,7 +3373,7 @@
   <dgm:whole/>
   <dgm:extLst>
     <a:ext uri="http://schemas.microsoft.com/office/drawing/2008/diagram">
-      <dsp:dataModelExt xmlns:dsp="http://schemas.microsoft.com/office/drawing/2008/diagram" relId="rId6" minVer="http://schemas.openxmlformats.org/drawingml/2006/diagram"/>
+      <dsp:dataModelExt xmlns:dsp="http://schemas.microsoft.com/office/drawing/2008/diagram" xmlns="" relId="rId6" minVer="http://schemas.openxmlformats.org/drawingml/2006/diagram"/>
     </a:ext>
   </dgm:extLst>
 </dgm:dataModel>
@@ -3849,17 +3849,17 @@
     </dgm:pt>
   </dgm:ptLst>
   <dgm:cxnLst>
+    <dgm:cxn modelId="{F8A586A8-61E8-4802-9EBF-39869FEC97AD}" type="presOf" srcId="{312DC029-6E8A-4999-BACF-38F017528D82}" destId="{9F12EF1A-F7FD-4704-A67E-D1C0E89778AF}" srcOrd="0" destOrd="0" presId="urn:microsoft.com/office/officeart/2005/8/layout/vList3#1"/>
     <dgm:cxn modelId="{D518B67D-E26D-42E0-91B0-43DAF12FA114}" type="presOf" srcId="{50A58BD2-2C94-43F6-A472-6BCA1BD45991}" destId="{A5D97A13-7362-4C3C-8087-F83707C5F6F3}" srcOrd="0" destOrd="0" presId="urn:microsoft.com/office/officeart/2005/8/layout/vList3#1"/>
+    <dgm:cxn modelId="{8FA8FBB4-8049-45AA-BD5A-10C2F30801BD}" srcId="{6CBC7817-354D-4772-828E-B845B74CEE6F}" destId="{312DC029-6E8A-4999-BACF-38F017528D82}" srcOrd="2" destOrd="0" parTransId="{51A6B6A6-546E-4A2C-8D8D-19FAA3124D1D}" sibTransId="{69070C23-81D8-41B1-A7FC-293B2106F2B1}"/>
+    <dgm:cxn modelId="{6E816318-EC78-4221-AE9F-0749CFAE71E3}" srcId="{6CBC7817-354D-4772-828E-B845B74CEE6F}" destId="{D88C4001-C221-4D94-B852-6804E72DBB08}" srcOrd="1" destOrd="0" parTransId="{FEBE2F26-7873-471C-A008-515390571FD8}" sibTransId="{CC82373F-12CD-4FD1-B319-0AB55151DC83}"/>
+    <dgm:cxn modelId="{02A8B75D-DE44-4627-998C-AE9E5651D008}" type="presOf" srcId="{D88C4001-C221-4D94-B852-6804E72DBB08}" destId="{F06E529A-83CD-44F2-94FE-9D14E2828226}" srcOrd="0" destOrd="0" presId="urn:microsoft.com/office/officeart/2005/8/layout/vList3#1"/>
+    <dgm:cxn modelId="{CACA0575-6057-4A44-BB50-8F7501EDEDF1}" type="presOf" srcId="{C0880992-5C5E-4B53-8742-0186BBAE652D}" destId="{E480DC14-2070-4AE3-BF84-48AA848E5283}" srcOrd="0" destOrd="0" presId="urn:microsoft.com/office/officeart/2005/8/layout/vList3#1"/>
+    <dgm:cxn modelId="{641B6226-AFC1-4D1C-950F-2D761CFB0F8D}" srcId="{6CBC7817-354D-4772-828E-B845B74CEE6F}" destId="{BF9E67E2-75FD-414B-A5E7-8C410D93F678}" srcOrd="3" destOrd="0" parTransId="{D5482D43-5F4A-47F8-BB1C-799C66675386}" sibTransId="{006F45BA-5168-477C-817F-C0C7701A8D61}"/>
     <dgm:cxn modelId="{73E533C8-C254-4DBA-B367-669E445CED54}" type="presOf" srcId="{BF9E67E2-75FD-414B-A5E7-8C410D93F678}" destId="{906C7A7C-6C79-4046-BBEB-C8357729FB49}" srcOrd="0" destOrd="0" presId="urn:microsoft.com/office/officeart/2005/8/layout/vList3#1"/>
-    <dgm:cxn modelId="{641B6226-AFC1-4D1C-950F-2D761CFB0F8D}" srcId="{6CBC7817-354D-4772-828E-B845B74CEE6F}" destId="{BF9E67E2-75FD-414B-A5E7-8C410D93F678}" srcOrd="3" destOrd="0" parTransId="{D5482D43-5F4A-47F8-BB1C-799C66675386}" sibTransId="{006F45BA-5168-477C-817F-C0C7701A8D61}"/>
+    <dgm:cxn modelId="{C8E9EA3C-42A3-4703-B196-D835CEFCBBD8}" srcId="{6CBC7817-354D-4772-828E-B845B74CEE6F}" destId="{50A58BD2-2C94-43F6-A472-6BCA1BD45991}" srcOrd="0" destOrd="0" parTransId="{5D7EDC90-EDCB-42D6-8829-9C4F4C167F55}" sibTransId="{F144F52B-3AE1-4BEE-95B9-FD8D460CDB2D}"/>
     <dgm:cxn modelId="{F52BB0E0-8A9D-422B-9094-BBFD41C69254}" srcId="{6CBC7817-354D-4772-828E-B845B74CEE6F}" destId="{C0880992-5C5E-4B53-8742-0186BBAE652D}" srcOrd="4" destOrd="0" parTransId="{B2566125-9EF6-4581-92A3-6CBAE078932C}" sibTransId="{456A0ACD-3E2E-40F7-98C7-3616ED32FBCA}"/>
-    <dgm:cxn modelId="{6E816318-EC78-4221-AE9F-0749CFAE71E3}" srcId="{6CBC7817-354D-4772-828E-B845B74CEE6F}" destId="{D88C4001-C221-4D94-B852-6804E72DBB08}" srcOrd="1" destOrd="0" parTransId="{FEBE2F26-7873-471C-A008-515390571FD8}" sibTransId="{CC82373F-12CD-4FD1-B319-0AB55151DC83}"/>
-    <dgm:cxn modelId="{8FA8FBB4-8049-45AA-BD5A-10C2F30801BD}" srcId="{6CBC7817-354D-4772-828E-B845B74CEE6F}" destId="{312DC029-6E8A-4999-BACF-38F017528D82}" srcOrd="2" destOrd="0" parTransId="{51A6B6A6-546E-4A2C-8D8D-19FAA3124D1D}" sibTransId="{69070C23-81D8-41B1-A7FC-293B2106F2B1}"/>
     <dgm:cxn modelId="{1E64F2B1-3B71-4AE8-9734-40023CD6BFD6}" type="presOf" srcId="{6CBC7817-354D-4772-828E-B845B74CEE6F}" destId="{9EFC7F10-73D6-4C83-B21B-6A436AC0BE07}" srcOrd="0" destOrd="0" presId="urn:microsoft.com/office/officeart/2005/8/layout/vList3#1"/>
-    <dgm:cxn modelId="{CACA0575-6057-4A44-BB50-8F7501EDEDF1}" type="presOf" srcId="{C0880992-5C5E-4B53-8742-0186BBAE652D}" destId="{E480DC14-2070-4AE3-BF84-48AA848E5283}" srcOrd="0" destOrd="0" presId="urn:microsoft.com/office/officeart/2005/8/layout/vList3#1"/>
-    <dgm:cxn modelId="{F8A586A8-61E8-4802-9EBF-39869FEC97AD}" type="presOf" srcId="{312DC029-6E8A-4999-BACF-38F017528D82}" destId="{9F12EF1A-F7FD-4704-A67E-D1C0E89778AF}" srcOrd="0" destOrd="0" presId="urn:microsoft.com/office/officeart/2005/8/layout/vList3#1"/>
-    <dgm:cxn modelId="{02A8B75D-DE44-4627-998C-AE9E5651D008}" type="presOf" srcId="{D88C4001-C221-4D94-B852-6804E72DBB08}" destId="{F06E529A-83CD-44F2-94FE-9D14E2828226}" srcOrd="0" destOrd="0" presId="urn:microsoft.com/office/officeart/2005/8/layout/vList3#1"/>
-    <dgm:cxn modelId="{C8E9EA3C-42A3-4703-B196-D835CEFCBBD8}" srcId="{6CBC7817-354D-4772-828E-B845B74CEE6F}" destId="{50A58BD2-2C94-43F6-A472-6BCA1BD45991}" srcOrd="0" destOrd="0" parTransId="{5D7EDC90-EDCB-42D6-8829-9C4F4C167F55}" sibTransId="{F144F52B-3AE1-4BEE-95B9-FD8D460CDB2D}"/>
     <dgm:cxn modelId="{2607312F-945F-4F04-87CC-7A4BE4545046}" type="presParOf" srcId="{9EFC7F10-73D6-4C83-B21B-6A436AC0BE07}" destId="{FCBE816C-5D9C-4AB0-985C-D1D33B073F78}" srcOrd="0" destOrd="0" presId="urn:microsoft.com/office/officeart/2005/8/layout/vList3#1"/>
     <dgm:cxn modelId="{9E1E3173-A975-40FD-88CE-FB1B4D95E33F}" type="presParOf" srcId="{FCBE816C-5D9C-4AB0-985C-D1D33B073F78}" destId="{B64EC6B4-41BC-4CF8-B236-262114C71F9C}" srcOrd="0" destOrd="0" presId="urn:microsoft.com/office/officeart/2005/8/layout/vList3#1"/>
     <dgm:cxn modelId="{C46D4661-6D2B-4B35-8B43-B14AC51FABF5}" type="presParOf" srcId="{FCBE816C-5D9C-4AB0-985C-D1D33B073F78}" destId="{A5D97A13-7362-4C3C-8087-F83707C5F6F3}" srcOrd="1" destOrd="0" presId="urn:microsoft.com/office/officeart/2005/8/layout/vList3#1"/>
@@ -3884,7 +3884,7 @@
   <dgm:whole/>
   <dgm:extLst>
     <a:ext uri="http://schemas.microsoft.com/office/drawing/2008/diagram">
-      <dsp:dataModelExt xmlns:dsp="http://schemas.microsoft.com/office/drawing/2008/diagram" relId="rId6" minVer="http://schemas.openxmlformats.org/drawingml/2006/diagram"/>
+      <dsp:dataModelExt xmlns:dsp="http://schemas.microsoft.com/office/drawing/2008/diagram" xmlns="" relId="rId6" minVer="http://schemas.openxmlformats.org/drawingml/2006/diagram"/>
     </a:ext>
   </dgm:extLst>
 </dgm:dataModel>
@@ -4079,14 +4079,14 @@
     </dgm:pt>
   </dgm:ptLst>
   <dgm:cxnLst>
+    <dgm:cxn modelId="{85227F78-EA97-432C-8771-1CBADA9F2C9A}" type="presOf" srcId="{32344444-5BFA-48F9-BA42-E8E5E43FFBA0}" destId="{028D7ECC-9ADE-471A-AB8F-59BD3B09B9C4}" srcOrd="1" destOrd="0" presId="urn:microsoft.com/office/officeart/2005/8/layout/hList7#1"/>
+    <dgm:cxn modelId="{B9E01343-0C40-47C8-83F8-B817B607F441}" type="presOf" srcId="{32344444-5BFA-48F9-BA42-E8E5E43FFBA0}" destId="{413DCAD2-82AF-4F94-ADD8-6B999FEF828C}" srcOrd="0" destOrd="0" presId="urn:microsoft.com/office/officeart/2005/8/layout/hList7#1"/>
+    <dgm:cxn modelId="{E09CB3BC-14BC-42A7-8B04-1C6FCB6ECD3C}" type="presOf" srcId="{7F4A3255-EAD9-4A8B-8EF3-E69D7B2E81CD}" destId="{0C9E0788-D327-4A74-8626-695F1C7B6329}" srcOrd="0" destOrd="0" presId="urn:microsoft.com/office/officeart/2005/8/layout/hList7#1"/>
     <dgm:cxn modelId="{4B311E51-EC7C-4CDF-833D-3C0BD39F8690}" srcId="{7F4A3255-EAD9-4A8B-8EF3-E69D7B2E81CD}" destId="{32344444-5BFA-48F9-BA42-E8E5E43FFBA0}" srcOrd="1" destOrd="0" parTransId="{9DBA0876-0682-4DEF-BF94-D8635F0A59DE}" sibTransId="{DD6E9C2D-2412-43FA-91CA-139DBE2A0115}"/>
-    <dgm:cxn modelId="{B9E01343-0C40-47C8-83F8-B817B607F441}" type="presOf" srcId="{32344444-5BFA-48F9-BA42-E8E5E43FFBA0}" destId="{413DCAD2-82AF-4F94-ADD8-6B999FEF828C}" srcOrd="0" destOrd="0" presId="urn:microsoft.com/office/officeart/2005/8/layout/hList7#1"/>
-    <dgm:cxn modelId="{9A9D2557-63E1-4373-A71E-22B1D18A3F10}" srcId="{7F4A3255-EAD9-4A8B-8EF3-E69D7B2E81CD}" destId="{16D52501-4960-4B3D-A9F5-2E78FD086989}" srcOrd="0" destOrd="0" parTransId="{53DCBE6A-4770-4CF2-857C-4E81D5596399}" sibTransId="{CA61F607-004F-4A01-A69D-9761B1E0AECF}"/>
-    <dgm:cxn modelId="{85227F78-EA97-432C-8771-1CBADA9F2C9A}" type="presOf" srcId="{32344444-5BFA-48F9-BA42-E8E5E43FFBA0}" destId="{028D7ECC-9ADE-471A-AB8F-59BD3B09B9C4}" srcOrd="1" destOrd="0" presId="urn:microsoft.com/office/officeart/2005/8/layout/hList7#1"/>
     <dgm:cxn modelId="{6FE42E03-794F-48D6-9D2F-33312823A98D}" type="presOf" srcId="{16D52501-4960-4B3D-A9F5-2E78FD086989}" destId="{7436A315-20F2-4BA9-94BD-D352D1E21296}" srcOrd="0" destOrd="0" presId="urn:microsoft.com/office/officeart/2005/8/layout/hList7#1"/>
     <dgm:cxn modelId="{95FE62DD-FE12-4B76-8054-438FDD27422C}" type="presOf" srcId="{16D52501-4960-4B3D-A9F5-2E78FD086989}" destId="{F1167BAF-DF27-46C1-B68E-3A7DC4C6E004}" srcOrd="1" destOrd="0" presId="urn:microsoft.com/office/officeart/2005/8/layout/hList7#1"/>
     <dgm:cxn modelId="{E6214D86-3109-4A31-905E-A8D39FF355BD}" type="presOf" srcId="{CA61F607-004F-4A01-A69D-9761B1E0AECF}" destId="{C6EEB555-09A2-4E8D-AD8B-83ECF70BDB4C}" srcOrd="0" destOrd="0" presId="urn:microsoft.com/office/officeart/2005/8/layout/hList7#1"/>
-    <dgm:cxn modelId="{E09CB3BC-14BC-42A7-8B04-1C6FCB6ECD3C}" type="presOf" srcId="{7F4A3255-EAD9-4A8B-8EF3-E69D7B2E81CD}" destId="{0C9E0788-D327-4A74-8626-695F1C7B6329}" srcOrd="0" destOrd="0" presId="urn:microsoft.com/office/officeart/2005/8/layout/hList7#1"/>
+    <dgm:cxn modelId="{9A9D2557-63E1-4373-A71E-22B1D18A3F10}" srcId="{7F4A3255-EAD9-4A8B-8EF3-E69D7B2E81CD}" destId="{16D52501-4960-4B3D-A9F5-2E78FD086989}" srcOrd="0" destOrd="0" parTransId="{53DCBE6A-4770-4CF2-857C-4E81D5596399}" sibTransId="{CA61F607-004F-4A01-A69D-9761B1E0AECF}"/>
     <dgm:cxn modelId="{F289E4FA-4565-458D-8DF5-EE19FEB995DD}" type="presParOf" srcId="{0C9E0788-D327-4A74-8626-695F1C7B6329}" destId="{C8373CA7-790F-4617-827A-D87896A48E2A}" srcOrd="0" destOrd="0" presId="urn:microsoft.com/office/officeart/2005/8/layout/hList7#1"/>
     <dgm:cxn modelId="{D9FB206C-6F17-42E2-A7E8-92C1FCC94BA8}" type="presParOf" srcId="{0C9E0788-D327-4A74-8626-695F1C7B6329}" destId="{2C4E15B6-D755-44E9-B3F2-7DB1F5DFF413}" srcOrd="1" destOrd="0" presId="urn:microsoft.com/office/officeart/2005/8/layout/hList7#1"/>
     <dgm:cxn modelId="{1EE29965-6BBF-445A-AA6A-1407EB7C3D15}" type="presParOf" srcId="{2C4E15B6-D755-44E9-B3F2-7DB1F5DFF413}" destId="{ECB9F593-D74F-4E70-B987-E340C9A2CAD3}" srcOrd="0" destOrd="0" presId="urn:microsoft.com/office/officeart/2005/8/layout/hList7#1"/>
@@ -4105,7 +4105,7 @@
   <dgm:whole/>
   <dgm:extLst>
     <a:ext uri="http://schemas.microsoft.com/office/drawing/2008/diagram">
-      <dsp:dataModelExt xmlns:dsp="http://schemas.microsoft.com/office/drawing/2008/diagram" relId="rId6" minVer="http://schemas.openxmlformats.org/drawingml/2006/diagram"/>
+      <dsp:dataModelExt xmlns:dsp="http://schemas.microsoft.com/office/drawing/2008/diagram" xmlns="" relId="rId6" minVer="http://schemas.openxmlformats.org/drawingml/2006/diagram"/>
     </a:ext>
   </dgm:extLst>
 </dgm:dataModel>
@@ -9845,7 +9845,8 @@
           <a:p>
             <a:fld id="{4EFF1B67-387F-483B-80AF-E4F46D8B28DD}" type="datetimeFigureOut">
               <a:rPr lang="en-US" smtClean="0"/>
-              <a:t>5/15/2016</a:t>
+              <a:pPr/>
+              <a:t>16/05/2016</a:t>
             </a:fld>
             <a:endParaRPr lang="en-US"/>
           </a:p>
@@ -10004,6 +10005,7 @@
           <a:p>
             <a:fld id="{55E6AE57-15FB-4860-97FA-1FD5DE8C12C1}" type="slidenum">
               <a:rPr lang="en-US" smtClean="0"/>
+              <a:pPr/>
               <a:t>‹#›</a:t>
             </a:fld>
             <a:endParaRPr lang="en-US"/>
@@ -10013,7 +10015,7 @@
     </p:spTree>
     <p:extLst>
       <p:ext uri="{BB962C8B-B14F-4D97-AF65-F5344CB8AC3E}">
-        <p14:creationId xmlns:p14="http://schemas.microsoft.com/office/powerpoint/2010/main" val="3594021614"/>
+        <p14:creationId xmlns:p14="http://schemas.microsoft.com/office/powerpoint/2010/main" xmlns="" val="3594021614"/>
       </p:ext>
     </p:extLst>
   </p:cSld>
@@ -10178,6 +10180,7 @@
           <a:p>
             <a:fld id="{55E6AE57-15FB-4860-97FA-1FD5DE8C12C1}" type="slidenum">
               <a:rPr lang="en-US" smtClean="0"/>
+              <a:pPr/>
               <a:t>7</a:t>
             </a:fld>
             <a:endParaRPr lang="en-US"/>
@@ -10187,7 +10190,7 @@
     </p:spTree>
     <p:extLst>
       <p:ext uri="{BB962C8B-B14F-4D97-AF65-F5344CB8AC3E}">
-        <p14:creationId xmlns:p14="http://schemas.microsoft.com/office/powerpoint/2010/main" val="2505225572"/>
+        <p14:creationId xmlns:p14="http://schemas.microsoft.com/office/powerpoint/2010/main" xmlns="" val="2505225572"/>
       </p:ext>
     </p:extLst>
   </p:cSld>
@@ -10231,7 +10234,7 @@
     </p:spTree>
     <p:extLst>
       <p:ext uri="{BB962C8B-B14F-4D97-AF65-F5344CB8AC3E}">
-        <p14:creationId xmlns:p14="http://schemas.microsoft.com/office/powerpoint/2010/main" val="2032416694"/>
+        <p14:creationId xmlns:p14="http://schemas.microsoft.com/office/powerpoint/2010/main" xmlns="" val="2032416694"/>
       </p:ext>
     </p:extLst>
   </p:cSld>
@@ -10299,7 +10302,7 @@
             <a:fld id="{18DCCD61-643D-44A5-A450-3A42A50CBC1E}" type="datetimeFigureOut">
               <a:rPr lang="en-US" smtClean="0"/>
               <a:pPr/>
-              <a:t>5/15/2016</a:t>
+              <a:t>16/05/2016</a:t>
             </a:fld>
             <a:endParaRPr lang="en-US"/>
           </a:p>
@@ -10351,7 +10354,7 @@
     </p:spTree>
     <p:extLst>
       <p:ext uri="{BB962C8B-B14F-4D97-AF65-F5344CB8AC3E}">
-        <p14:creationId xmlns:p14="http://schemas.microsoft.com/office/powerpoint/2010/main" val="1818119873"/>
+        <p14:creationId xmlns:p14="http://schemas.microsoft.com/office/powerpoint/2010/main" xmlns="" val="1818119873"/>
       </p:ext>
     </p:extLst>
   </p:cSld>
@@ -10396,7 +10399,7 @@
             <a:fld id="{18DCCD61-643D-44A5-A450-3A42A50CBC1E}" type="datetimeFigureOut">
               <a:rPr lang="en-US" smtClean="0"/>
               <a:pPr/>
-              <a:t>5/15/2016</a:t>
+              <a:t>16/05/2016</a:t>
             </a:fld>
             <a:endParaRPr lang="en-US"/>
           </a:p>
@@ -10448,7 +10451,7 @@
     </p:spTree>
     <p:extLst>
       <p:ext uri="{BB962C8B-B14F-4D97-AF65-F5344CB8AC3E}">
-        <p14:creationId xmlns:p14="http://schemas.microsoft.com/office/powerpoint/2010/main" val="96291879"/>
+        <p14:creationId xmlns:p14="http://schemas.microsoft.com/office/powerpoint/2010/main" xmlns="" val="96291879"/>
       </p:ext>
     </p:extLst>
   </p:cSld>
@@ -10675,7 +10678,7 @@
             <a:fld id="{18DCCD61-643D-44A5-A450-3A42A50CBC1E}" type="datetimeFigureOut">
               <a:rPr lang="en-US" smtClean="0"/>
               <a:pPr/>
-              <a:t>5/15/2016</a:t>
+              <a:t>16/05/2016</a:t>
             </a:fld>
             <a:endParaRPr lang="en-US"/>
           </a:p>
@@ -10727,7 +10730,7 @@
     </p:spTree>
     <p:extLst>
       <p:ext uri="{BB962C8B-B14F-4D97-AF65-F5344CB8AC3E}">
-        <p14:creationId xmlns:p14="http://schemas.microsoft.com/office/powerpoint/2010/main" val="129688427"/>
+        <p14:creationId xmlns:p14="http://schemas.microsoft.com/office/powerpoint/2010/main" xmlns="" val="129688427"/>
       </p:ext>
     </p:extLst>
   </p:cSld>
@@ -10930,7 +10933,7 @@
             <a:fld id="{18DCCD61-643D-44A5-A450-3A42A50CBC1E}" type="datetimeFigureOut">
               <a:rPr lang="en-US" smtClean="0"/>
               <a:pPr/>
-              <a:t>5/15/2016</a:t>
+              <a:t>16/05/2016</a:t>
             </a:fld>
             <a:endParaRPr lang="en-US"/>
           </a:p>
@@ -10982,7 +10985,7 @@
     </p:spTree>
     <p:extLst>
       <p:ext uri="{BB962C8B-B14F-4D97-AF65-F5344CB8AC3E}">
-        <p14:creationId xmlns:p14="http://schemas.microsoft.com/office/powerpoint/2010/main" val="2987035001"/>
+        <p14:creationId xmlns:p14="http://schemas.microsoft.com/office/powerpoint/2010/main" xmlns="" val="2987035001"/>
       </p:ext>
     </p:extLst>
   </p:cSld>
@@ -11102,7 +11105,7 @@
             <a:fld id="{18DCCD61-643D-44A5-A450-3A42A50CBC1E}" type="datetimeFigureOut">
               <a:rPr lang="en-US" smtClean="0"/>
               <a:pPr/>
-              <a:t>5/15/2016</a:t>
+              <a:t>16/05/2016</a:t>
             </a:fld>
             <a:endParaRPr lang="en-US"/>
           </a:p>
@@ -11154,7 +11157,7 @@
     </p:spTree>
     <p:extLst>
       <p:ext uri="{BB962C8B-B14F-4D97-AF65-F5344CB8AC3E}">
-        <p14:creationId xmlns:p14="http://schemas.microsoft.com/office/powerpoint/2010/main" val="179237461"/>
+        <p14:creationId xmlns:p14="http://schemas.microsoft.com/office/powerpoint/2010/main" xmlns="" val="179237461"/>
       </p:ext>
     </p:extLst>
   </p:cSld>
@@ -11284,7 +11287,7 @@
             <a:fld id="{18DCCD61-643D-44A5-A450-3A42A50CBC1E}" type="datetimeFigureOut">
               <a:rPr lang="en-US" smtClean="0"/>
               <a:pPr/>
-              <a:t>5/15/2016</a:t>
+              <a:t>16/05/2016</a:t>
             </a:fld>
             <a:endParaRPr lang="en-US"/>
           </a:p>
@@ -11336,7 +11339,7 @@
     </p:spTree>
     <p:extLst>
       <p:ext uri="{BB962C8B-B14F-4D97-AF65-F5344CB8AC3E}">
-        <p14:creationId xmlns:p14="http://schemas.microsoft.com/office/powerpoint/2010/main" val="3962857223"/>
+        <p14:creationId xmlns:p14="http://schemas.microsoft.com/office/powerpoint/2010/main" xmlns="" val="3962857223"/>
       </p:ext>
     </p:extLst>
   </p:cSld>
@@ -11514,7 +11517,7 @@
     </p:spTree>
     <p:extLst>
       <p:ext uri="{BB962C8B-B14F-4D97-AF65-F5344CB8AC3E}">
-        <p14:creationId xmlns:p14="http://schemas.microsoft.com/office/powerpoint/2010/main" val="3694015714"/>
+        <p14:creationId xmlns:p14="http://schemas.microsoft.com/office/powerpoint/2010/main" xmlns="" val="3694015714"/>
       </p:ext>
     </p:extLst>
   </p:cSld>
@@ -11690,7 +11693,7 @@
     </p:spTree>
     <p:extLst>
       <p:ext uri="{BB962C8B-B14F-4D97-AF65-F5344CB8AC3E}">
-        <p14:creationId xmlns:p14="http://schemas.microsoft.com/office/powerpoint/2010/main" val="2326818522"/>
+        <p14:creationId xmlns:p14="http://schemas.microsoft.com/office/powerpoint/2010/main" xmlns="" val="2326818522"/>
       </p:ext>
     </p:extLst>
   </p:cSld>
@@ -12460,7 +12463,7 @@
             <a:fld id="{B61BEF0D-F0BB-DE4B-95CE-6DB70DBA9567}" type="datetimeFigureOut">
               <a:rPr lang="en-US" smtClean="0"/>
               <a:pPr/>
-              <a:t>5/15/2016</a:t>
+              <a:t>16/05/2016</a:t>
             </a:fld>
             <a:endParaRPr lang="en-US"/>
           </a:p>
@@ -12528,7 +12531,7 @@
     </p:spTree>
     <p:extLst>
       <p:ext uri="{BB962C8B-B14F-4D97-AF65-F5344CB8AC3E}">
-        <p14:creationId xmlns:p14="http://schemas.microsoft.com/office/powerpoint/2010/main" val="3334245836"/>
+        <p14:creationId xmlns:p14="http://schemas.microsoft.com/office/powerpoint/2010/main" xmlns="" val="3334245836"/>
       </p:ext>
     </p:extLst>
   </p:cSld>
@@ -12720,7 +12723,7 @@
             <a:fld id="{18DCCD61-643D-44A5-A450-3A42A50CBC1E}" type="datetimeFigureOut">
               <a:rPr lang="en-US" smtClean="0"/>
               <a:pPr/>
-              <a:t>5/15/2016</a:t>
+              <a:t>16/05/2016</a:t>
             </a:fld>
             <a:endParaRPr lang="en-US"/>
           </a:p>
@@ -12772,7 +12775,7 @@
     </p:spTree>
     <p:extLst>
       <p:ext uri="{BB962C8B-B14F-4D97-AF65-F5344CB8AC3E}">
-        <p14:creationId xmlns:p14="http://schemas.microsoft.com/office/powerpoint/2010/main" val="1656086933"/>
+        <p14:creationId xmlns:p14="http://schemas.microsoft.com/office/powerpoint/2010/main" xmlns="" val="1656086933"/>
       </p:ext>
     </p:extLst>
   </p:cSld>
@@ -12892,7 +12895,7 @@
             <a:fld id="{18DCCD61-643D-44A5-A450-3A42A50CBC1E}" type="datetimeFigureOut">
               <a:rPr lang="en-US" smtClean="0"/>
               <a:pPr/>
-              <a:t>5/15/2016</a:t>
+              <a:t>16/05/2016</a:t>
             </a:fld>
             <a:endParaRPr lang="en-US"/>
           </a:p>
@@ -12944,7 +12947,7 @@
     </p:spTree>
     <p:extLst>
       <p:ext uri="{BB962C8B-B14F-4D97-AF65-F5344CB8AC3E}">
-        <p14:creationId xmlns:p14="http://schemas.microsoft.com/office/powerpoint/2010/main" val="924286651"/>
+        <p14:creationId xmlns:p14="http://schemas.microsoft.com/office/powerpoint/2010/main" xmlns="" val="924286651"/>
       </p:ext>
     </p:extLst>
   </p:cSld>
@@ -13140,7 +13143,7 @@
             <a:fld id="{18DCCD61-643D-44A5-A450-3A42A50CBC1E}" type="datetimeFigureOut">
               <a:rPr lang="en-US" smtClean="0"/>
               <a:pPr/>
-              <a:t>5/15/2016</a:t>
+              <a:t>16/05/2016</a:t>
             </a:fld>
             <a:endParaRPr lang="en-US"/>
           </a:p>
@@ -13192,7 +13195,7 @@
     </p:spTree>
     <p:extLst>
       <p:ext uri="{BB962C8B-B14F-4D97-AF65-F5344CB8AC3E}">
-        <p14:creationId xmlns:p14="http://schemas.microsoft.com/office/powerpoint/2010/main" val="3277933221"/>
+        <p14:creationId xmlns:p14="http://schemas.microsoft.com/office/powerpoint/2010/main" xmlns="" val="3277933221"/>
       </p:ext>
     </p:extLst>
   </p:cSld>
@@ -13430,7 +13433,7 @@
             <a:fld id="{18DCCD61-643D-44A5-A450-3A42A50CBC1E}" type="datetimeFigureOut">
               <a:rPr lang="en-US" smtClean="0"/>
               <a:pPr/>
-              <a:t>5/15/2016</a:t>
+              <a:t>16/05/2016</a:t>
             </a:fld>
             <a:endParaRPr lang="en-US"/>
           </a:p>
@@ -13482,7 +13485,7 @@
     </p:spTree>
     <p:extLst>
       <p:ext uri="{BB962C8B-B14F-4D97-AF65-F5344CB8AC3E}">
-        <p14:creationId xmlns:p14="http://schemas.microsoft.com/office/powerpoint/2010/main" val="778790462"/>
+        <p14:creationId xmlns:p14="http://schemas.microsoft.com/office/powerpoint/2010/main" xmlns="" val="778790462"/>
       </p:ext>
     </p:extLst>
   </p:cSld>
@@ -13854,7 +13857,7 @@
             <a:fld id="{18DCCD61-643D-44A5-A450-3A42A50CBC1E}" type="datetimeFigureOut">
               <a:rPr lang="en-US" smtClean="0"/>
               <a:pPr/>
-              <a:t>5/15/2016</a:t>
+              <a:t>16/05/2016</a:t>
             </a:fld>
             <a:endParaRPr lang="en-US"/>
           </a:p>
@@ -13906,7 +13909,7 @@
     </p:spTree>
     <p:extLst>
       <p:ext uri="{BB962C8B-B14F-4D97-AF65-F5344CB8AC3E}">
-        <p14:creationId xmlns:p14="http://schemas.microsoft.com/office/powerpoint/2010/main" val="2919811487"/>
+        <p14:creationId xmlns:p14="http://schemas.microsoft.com/office/powerpoint/2010/main" xmlns="" val="2919811487"/>
       </p:ext>
     </p:extLst>
   </p:cSld>
@@ -13944,7 +13947,7 @@
     </p:spTree>
     <p:extLst>
       <p:ext uri="{BB962C8B-B14F-4D97-AF65-F5344CB8AC3E}">
-        <p14:creationId xmlns:p14="http://schemas.microsoft.com/office/powerpoint/2010/main" val="437338208"/>
+        <p14:creationId xmlns:p14="http://schemas.microsoft.com/office/powerpoint/2010/main" xmlns="" val="437338208"/>
       </p:ext>
     </p:extLst>
   </p:cSld>
@@ -14361,7 +14364,7 @@
             <a:fld id="{18DCCD61-643D-44A5-A450-3A42A50CBC1E}" type="datetimeFigureOut">
               <a:rPr lang="en-US" smtClean="0"/>
               <a:pPr/>
-              <a:t>5/15/2016</a:t>
+              <a:t>16/05/2016</a:t>
             </a:fld>
             <a:endParaRPr lang="en-US"/>
           </a:p>
@@ -14449,7 +14452,7 @@
     </p:spTree>
     <p:extLst>
       <p:ext uri="{BB962C8B-B14F-4D97-AF65-F5344CB8AC3E}">
-        <p14:creationId xmlns:p14="http://schemas.microsoft.com/office/powerpoint/2010/main" val="3286357357"/>
+        <p14:creationId xmlns:p14="http://schemas.microsoft.com/office/powerpoint/2010/main" xmlns="" val="3286357357"/>
       </p:ext>
     </p:extLst>
   </p:cSld>
@@ -14792,29 +14795,8 @@
                 <a:latin typeface="Times New Roman" panose="02020603050405020304" pitchFamily="18" charset="0"/>
                 <a:cs typeface="Times New Roman" panose="02020603050405020304" pitchFamily="18" charset="0"/>
               </a:rPr>
-              <a:t>ĐỒ ÁN </a:t>
-            </a:r>
-            <a:r>
-              <a:rPr lang="en-SG" sz="4400" dirty="0">
-                <a:solidFill>
-                  <a:schemeClr val="accent1">
-                    <a:lumMod val="75000"/>
-                  </a:schemeClr>
-                </a:solidFill>
-                <a:latin typeface="Times New Roman" panose="02020603050405020304" pitchFamily="18" charset="0"/>
-                <a:cs typeface="Times New Roman" panose="02020603050405020304" pitchFamily="18" charset="0"/>
-              </a:rPr>
-              <a:t>CHUYÊN NGÀNH</a:t>
-            </a:r>
-            <a:endParaRPr lang="en-SG" sz="4400" dirty="0">
-              <a:solidFill>
-                <a:schemeClr val="accent1">
-                  <a:lumMod val="75000"/>
-                </a:schemeClr>
-              </a:solidFill>
-              <a:latin typeface="Times New Roman" panose="02020603050405020304" pitchFamily="18" charset="0"/>
-              <a:cs typeface="Times New Roman" panose="02020603050405020304" pitchFamily="18" charset="0"/>
-            </a:endParaRPr>
+              <a:t>ĐỒ ÁN CHUYÊN NGÀNH</a:t>
+            </a:r>
           </a:p>
         </p:txBody>
       </p:sp>
@@ -14893,16 +14875,6 @@
               </a:rPr>
               <a:t> </a:t>
             </a:r>
-            <a:endParaRPr lang="en-US" sz="3200" b="1" dirty="0" smtClean="0">
-              <a:solidFill>
-                <a:schemeClr val="tx1">
-                  <a:lumMod val="75000"/>
-                  <a:lumOff val="25000"/>
-                </a:schemeClr>
-              </a:solidFill>
-              <a:latin typeface="Times New Roman" panose="02020603050405020304" pitchFamily="18" charset="0"/>
-              <a:cs typeface="Times New Roman" panose="02020603050405020304" pitchFamily="18" charset="0"/>
-            </a:endParaRPr>
           </a:p>
           <a:p>
             <a:pPr algn="ctr"/>
@@ -15060,7 +15032,7 @@
           <a:blip r:embed="rId3">
             <a:extLst>
               <a:ext uri="{28A0092B-C50C-407E-A947-70E740481C1C}">
-                <a14:useLocalDpi xmlns:a14="http://schemas.microsoft.com/office/drawing/2010/main" val="0"/>
+                <a14:useLocalDpi xmlns:a14="http://schemas.microsoft.com/office/drawing/2010/main" xmlns="" val="0"/>
               </a:ext>
             </a:extLst>
           </a:blip>
@@ -15110,14 +15082,7 @@
                 <a:latin typeface="Times New Roman" panose="02020603050405020304" pitchFamily="18" charset="0"/>
                 <a:cs typeface="Times New Roman" panose="02020603050405020304" pitchFamily="18" charset="0"/>
               </a:rPr>
-              <a:t>GVHD</a:t>
-            </a:r>
-            <a:r>
-              <a:rPr lang="en-US" sz="2400" dirty="0" smtClean="0">
-                <a:latin typeface="Times New Roman" panose="02020603050405020304" pitchFamily="18" charset="0"/>
-                <a:cs typeface="Times New Roman" panose="02020603050405020304" pitchFamily="18" charset="0"/>
-              </a:rPr>
-              <a:t>: </a:t>
+              <a:t>GVHD: </a:t>
             </a:r>
             <a:r>
               <a:rPr lang="en-US" sz="2400" b="1" dirty="0" err="1" smtClean="0">
@@ -15401,14 +15366,7 @@
                 <a:latin typeface="Times New Roman" panose="02020603050405020304" pitchFamily="18" charset="0"/>
                 <a:cs typeface="Times New Roman" panose="02020603050405020304" pitchFamily="18" charset="0"/>
               </a:rPr>
-              <a:t> 	-   </a:t>
-            </a:r>
-            <a:r>
-              <a:rPr lang="en-US" sz="2400" dirty="0" smtClean="0">
-                <a:latin typeface="Times New Roman" panose="02020603050405020304" pitchFamily="18" charset="0"/>
-                <a:cs typeface="Times New Roman" panose="02020603050405020304" pitchFamily="18" charset="0"/>
-              </a:rPr>
-              <a:t>12009411</a:t>
+              <a:t> 	-   12009411</a:t>
             </a:r>
           </a:p>
           <a:p>
@@ -15476,7 +15434,7 @@
     </p:spTree>
     <p:extLst>
       <p:ext uri="{BB962C8B-B14F-4D97-AF65-F5344CB8AC3E}">
-        <p14:creationId xmlns:p14="http://schemas.microsoft.com/office/powerpoint/2010/main" val="1791799188"/>
+        <p14:creationId xmlns:p14="http://schemas.microsoft.com/office/powerpoint/2010/main" xmlns="" val="1791799188"/>
       </p:ext>
     </p:extLst>
   </p:cSld>
@@ -16114,7 +16072,7 @@
           <a:blip r:embed="rId2">
             <a:extLst>
               <a:ext uri="{28A0092B-C50C-407E-A947-70E740481C1C}">
-                <a14:useLocalDpi xmlns:a14="http://schemas.microsoft.com/office/drawing/2010/main" val="0"/>
+                <a14:useLocalDpi xmlns:a14="http://schemas.microsoft.com/office/drawing/2010/main" xmlns="" val="0"/>
               </a:ext>
             </a:extLst>
           </a:blip>
@@ -16845,7 +16803,7 @@
     </p:spTree>
     <p:extLst>
       <p:ext uri="{BB962C8B-B14F-4D97-AF65-F5344CB8AC3E}">
-        <p14:creationId xmlns:p14="http://schemas.microsoft.com/office/powerpoint/2010/main" val="143994044"/>
+        <p14:creationId xmlns:p14="http://schemas.microsoft.com/office/powerpoint/2010/main" xmlns="" val="143994044"/>
       </p:ext>
     </p:extLst>
   </p:cSld>
@@ -16916,7 +16874,7 @@
     </p:spTree>
     <p:extLst>
       <p:ext uri="{BB962C8B-B14F-4D97-AF65-F5344CB8AC3E}">
-        <p14:creationId xmlns:p14="http://schemas.microsoft.com/office/powerpoint/2010/main" val="263768486"/>
+        <p14:creationId xmlns:p14="http://schemas.microsoft.com/office/powerpoint/2010/main" xmlns="" val="263768486"/>
       </p:ext>
     </p:extLst>
   </p:cSld>
@@ -17113,16 +17071,17 @@
             </a:pPr>
             <a:r>
               <a:rPr lang="en-US" sz="2800" dirty="0" smtClean="0"/>
-              <a:t> Đáp ứng thỏa mãn về thời gian xử lý thấp (tối tối </a:t>
-            </a:r>
-            <a:r>
-              <a:rPr lang="vi-VN" sz="2800" dirty="0" smtClean="0"/>
-              <a:t>đ</a:t>
-            </a:r>
-            <a:r>
-              <a:rPr lang="en-US" sz="2800" dirty="0" smtClean="0"/>
-              <a:t>a 3s).</a:t>
-            </a:r>
+              <a:t> Đáp ứng thỏa mãn về thời gian xử </a:t>
+            </a:r>
+            <a:r>
+              <a:rPr lang="en-US" sz="2800" smtClean="0"/>
+              <a:t>lý </a:t>
+            </a:r>
+            <a:r>
+              <a:rPr lang="en-US" sz="2800" smtClean="0"/>
+              <a:t>thấp</a:t>
+            </a:r>
+            <a:endParaRPr lang="en-US" sz="2800" dirty="0" smtClean="0"/>
           </a:p>
           <a:p>
             <a:pPr>
@@ -17392,7 +17351,7 @@
             <p:ph idx="10"/>
             <p:extLst>
               <p:ext uri="{D42A27DB-BD31-4B8C-83A1-F6EECF244321}">
-                <p14:modId xmlns:p14="http://schemas.microsoft.com/office/powerpoint/2010/main" val="1779349649"/>
+                <p14:modId xmlns:p14="http://schemas.microsoft.com/office/powerpoint/2010/main" xmlns="" val="1779349649"/>
               </p:ext>
             </p:extLst>
           </p:nvPr>
@@ -17490,7 +17449,7 @@
           <p:nvPr/>
         </p:nvPicPr>
         <p:blipFill>
-          <a:blip r:embed="rId7"/>
+          <a:blip r:embed="rId6"/>
           <a:srcRect/>
           <a:stretch>
             <a:fillRect/>
@@ -17677,7 +17636,7 @@
           <p:nvPr/>
         </p:nvPicPr>
         <p:blipFill>
-          <a:blip r:embed="rId7"/>
+          <a:blip r:embed="rId6"/>
           <a:srcRect/>
           <a:stretch>
             <a:fillRect/>
@@ -18271,7 +18230,7 @@
           <a:blip r:embed="rId3">
             <a:extLst>
               <a:ext uri="{28A0092B-C50C-407E-A947-70E740481C1C}">
-                <a14:useLocalDpi xmlns:a14="http://schemas.microsoft.com/office/drawing/2010/main" val="0"/>
+                <a14:useLocalDpi xmlns:a14="http://schemas.microsoft.com/office/drawing/2010/main" xmlns="" val="0"/>
               </a:ext>
             </a:extLst>
           </a:blip>
@@ -18903,7 +18862,7 @@
           <a:blip r:embed="rId2">
             <a:extLst>
               <a:ext uri="{28A0092B-C50C-407E-A947-70E740481C1C}">
-                <a14:useLocalDpi xmlns:a14="http://schemas.microsoft.com/office/drawing/2010/main" val="0"/>
+                <a14:useLocalDpi xmlns:a14="http://schemas.microsoft.com/office/drawing/2010/main" xmlns="" val="0"/>
               </a:ext>
             </a:extLst>
           </a:blip>
@@ -18938,7 +18897,7 @@
     </p:spTree>
     <p:extLst>
       <p:ext uri="{BB962C8B-B14F-4D97-AF65-F5344CB8AC3E}">
-        <p14:creationId xmlns:p14="http://schemas.microsoft.com/office/powerpoint/2010/main" val="3343287275"/>
+        <p14:creationId xmlns:p14="http://schemas.microsoft.com/office/powerpoint/2010/main" xmlns="" val="3343287275"/>
       </p:ext>
     </p:extLst>
   </p:cSld>
@@ -19575,7 +19534,7 @@
           <a:blip r:embed="rId2">
             <a:extLst>
               <a:ext uri="{28A0092B-C50C-407E-A947-70E740481C1C}">
-                <a14:useLocalDpi xmlns:a14="http://schemas.microsoft.com/office/drawing/2010/main" val="0"/>
+                <a14:useLocalDpi xmlns:a14="http://schemas.microsoft.com/office/drawing/2010/main" xmlns="" val="0"/>
               </a:ext>
             </a:extLst>
           </a:blip>
@@ -19610,7 +19569,7 @@
     </p:spTree>
     <p:extLst>
       <p:ext uri="{BB962C8B-B14F-4D97-AF65-F5344CB8AC3E}">
-        <p14:creationId xmlns:p14="http://schemas.microsoft.com/office/powerpoint/2010/main" val="1919049762"/>
+        <p14:creationId xmlns:p14="http://schemas.microsoft.com/office/powerpoint/2010/main" xmlns="" val="1919049762"/>
       </p:ext>
     </p:extLst>
   </p:cSld>
